--- a/part3/Figures/trimmed-graph.pptx
+++ b/part3/Figures/trimmed-graph.pptx
@@ -289,7 +289,7 @@
             <a:fld id="{3D7BA643-B6E4-5F47-8F97-5B8A5CDFA610}" type="datetimeFigureOut">
               <a:rPr lang="en-US" smtClean="0"/>
               <a:pPr/>
-              <a:t>5/2/10</a:t>
+              <a:t>5/12/10</a:t>
             </a:fld>
             <a:endParaRPr lang="en-US"/>
           </a:p>
@@ -456,7 +456,7 @@
             <a:fld id="{3D7BA643-B6E4-5F47-8F97-5B8A5CDFA610}" type="datetimeFigureOut">
               <a:rPr lang="en-US" smtClean="0"/>
               <a:pPr/>
-              <a:t>5/2/10</a:t>
+              <a:t>5/12/10</a:t>
             </a:fld>
             <a:endParaRPr lang="en-US"/>
           </a:p>
@@ -633,7 +633,7 @@
             <a:fld id="{3D7BA643-B6E4-5F47-8F97-5B8A5CDFA610}" type="datetimeFigureOut">
               <a:rPr lang="en-US" smtClean="0"/>
               <a:pPr/>
-              <a:t>5/2/10</a:t>
+              <a:t>5/12/10</a:t>
             </a:fld>
             <a:endParaRPr lang="en-US"/>
           </a:p>
@@ -800,7 +800,7 @@
             <a:fld id="{3D7BA643-B6E4-5F47-8F97-5B8A5CDFA610}" type="datetimeFigureOut">
               <a:rPr lang="en-US" smtClean="0"/>
               <a:pPr/>
-              <a:t>5/2/10</a:t>
+              <a:t>5/12/10</a:t>
             </a:fld>
             <a:endParaRPr lang="en-US"/>
           </a:p>
@@ -1043,7 +1043,7 @@
             <a:fld id="{3D7BA643-B6E4-5F47-8F97-5B8A5CDFA610}" type="datetimeFigureOut">
               <a:rPr lang="en-US" smtClean="0"/>
               <a:pPr/>
-              <a:t>5/2/10</a:t>
+              <a:t>5/12/10</a:t>
             </a:fld>
             <a:endParaRPr lang="en-US"/>
           </a:p>
@@ -1328,7 +1328,7 @@
             <a:fld id="{3D7BA643-B6E4-5F47-8F97-5B8A5CDFA610}" type="datetimeFigureOut">
               <a:rPr lang="en-US" smtClean="0"/>
               <a:pPr/>
-              <a:t>5/2/10</a:t>
+              <a:t>5/12/10</a:t>
             </a:fld>
             <a:endParaRPr lang="en-US"/>
           </a:p>
@@ -1747,7 +1747,7 @@
             <a:fld id="{3D7BA643-B6E4-5F47-8F97-5B8A5CDFA610}" type="datetimeFigureOut">
               <a:rPr lang="en-US" smtClean="0"/>
               <a:pPr/>
-              <a:t>5/2/10</a:t>
+              <a:t>5/12/10</a:t>
             </a:fld>
             <a:endParaRPr lang="en-US"/>
           </a:p>
@@ -1862,7 +1862,7 @@
             <a:fld id="{3D7BA643-B6E4-5F47-8F97-5B8A5CDFA610}" type="datetimeFigureOut">
               <a:rPr lang="en-US" smtClean="0"/>
               <a:pPr/>
-              <a:t>5/2/10</a:t>
+              <a:t>5/12/10</a:t>
             </a:fld>
             <a:endParaRPr lang="en-US"/>
           </a:p>
@@ -1954,7 +1954,7 @@
             <a:fld id="{3D7BA643-B6E4-5F47-8F97-5B8A5CDFA610}" type="datetimeFigureOut">
               <a:rPr lang="en-US" smtClean="0"/>
               <a:pPr/>
-              <a:t>5/2/10</a:t>
+              <a:t>5/12/10</a:t>
             </a:fld>
             <a:endParaRPr lang="en-US"/>
           </a:p>
@@ -2228,7 +2228,7 @@
             <a:fld id="{3D7BA643-B6E4-5F47-8F97-5B8A5CDFA610}" type="datetimeFigureOut">
               <a:rPr lang="en-US" smtClean="0"/>
               <a:pPr/>
-              <a:t>5/2/10</a:t>
+              <a:t>5/12/10</a:t>
             </a:fld>
             <a:endParaRPr lang="en-US"/>
           </a:p>
@@ -2478,7 +2478,7 @@
             <a:fld id="{3D7BA643-B6E4-5F47-8F97-5B8A5CDFA610}" type="datetimeFigureOut">
               <a:rPr lang="en-US" smtClean="0"/>
               <a:pPr/>
-              <a:t>5/2/10</a:t>
+              <a:t>5/12/10</a:t>
             </a:fld>
             <a:endParaRPr lang="en-US"/>
           </a:p>
@@ -2688,7 +2688,7 @@
             <a:fld id="{3D7BA643-B6E4-5F47-8F97-5B8A5CDFA610}" type="datetimeFigureOut">
               <a:rPr lang="en-US" smtClean="0"/>
               <a:pPr/>
-              <a:t>5/2/10</a:t>
+              <a:t>5/12/10</a:t>
             </a:fld>
             <a:endParaRPr lang="en-US"/>
           </a:p>
@@ -3420,7 +3420,7 @@
         <p:spPr>
           <a:xfrm>
             <a:off x="4013213" y="4411418"/>
-            <a:ext cx="1484977" cy="523220"/>
+            <a:ext cx="1636899" cy="523220"/>
           </a:xfrm>
           <a:prstGeom prst="rect">
             <a:avLst/>
@@ -3446,19 +3446,7 @@
           <a:p>
             <a:r>
               <a:rPr lang="en-US" sz="1400" i="1" dirty="0" smtClean="0"/>
-              <a:t>x400,000 =</a:t>
-            </a:r>
-            <a:r>
-              <a:rPr lang="en-US" sz="1400" i="1" dirty="0" smtClean="0"/>
-              <a:t> </a:t>
-            </a:r>
-            <a:r>
-              <a:rPr lang="en-US" sz="1400" i="1" dirty="0" smtClean="0"/>
-              <a:t>??</a:t>
-            </a:r>
-            <a:r>
-              <a:rPr lang="en-US" sz="1400" i="1" dirty="0" smtClean="0"/>
-              <a:t>MB</a:t>
+              <a:t>x400,000 = 18.3MB</a:t>
             </a:r>
             <a:endParaRPr lang="en-US" sz="1400" i="1" dirty="0"/>
           </a:p>
@@ -3648,15 +3636,7 @@
           <a:p>
             <a:r>
               <a:rPr lang="en-US" sz="1200" i="1" dirty="0" smtClean="0"/>
-              <a:t>5,6</a:t>
-            </a:r>
-            <a:r>
-              <a:rPr lang="en-US" sz="1200" i="1" dirty="0" smtClean="0"/>
-              <a:t>00,000 </a:t>
-            </a:r>
-            <a:r>
-              <a:rPr lang="en-US" sz="1200" i="1" dirty="0" smtClean="0"/>
-              <a:t>bytes overhead</a:t>
+              <a:t>5,600,000 bytes overhead</a:t>
             </a:r>
             <a:endParaRPr lang="en-US" sz="1200" i="1" dirty="0"/>
           </a:p>
@@ -3744,7 +3724,7 @@
         <p:spPr>
           <a:xfrm>
             <a:off x="4055001" y="1672438"/>
-            <a:ext cx="1502961" cy="523220"/>
+            <a:ext cx="1654883" cy="523220"/>
           </a:xfrm>
           <a:prstGeom prst="rect">
             <a:avLst/>
@@ -3770,19 +3750,7 @@
           <a:p>
             <a:r>
               <a:rPr lang="en-US" sz="1400" i="1" dirty="0" smtClean="0"/>
-              <a:t>X100,000 =</a:t>
-            </a:r>
-            <a:r>
-              <a:rPr lang="en-US" sz="1400" i="1" dirty="0" smtClean="0"/>
-              <a:t> </a:t>
-            </a:r>
-            <a:r>
-              <a:rPr lang="en-US" sz="1400" i="1" dirty="0" smtClean="0"/>
-              <a:t>??</a:t>
-            </a:r>
-            <a:r>
-              <a:rPr lang="en-US" sz="1400" i="1" dirty="0" smtClean="0"/>
-              <a:t>MB</a:t>
+              <a:t>X100,000 = 5.34MB</a:t>
             </a:r>
             <a:endParaRPr lang="en-US" sz="1400" i="1" dirty="0"/>
           </a:p>
@@ -4033,15 +4001,7 @@
           <a:p>
             <a:r>
               <a:rPr lang="en-US" sz="1200" i="1" dirty="0" smtClean="0"/>
-              <a:t>19,2</a:t>
-            </a:r>
-            <a:r>
-              <a:rPr lang="en-US" sz="1200" i="1" dirty="0" smtClean="0"/>
-              <a:t>00,000 </a:t>
-            </a:r>
-            <a:r>
-              <a:rPr lang="en-US" sz="1200" i="1" dirty="0" smtClean="0"/>
-              <a:t>bytes overhead</a:t>
+              <a:t>19,200,000 bytes overhead</a:t>
             </a:r>
             <a:endParaRPr lang="en-US" sz="1200" i="1" dirty="0"/>
           </a:p>
@@ -4092,7 +4052,7 @@
         <p:spPr>
           <a:xfrm>
             <a:off x="914400" y="4411418"/>
-            <a:ext cx="2020755" cy="276999"/>
+            <a:ext cx="2120618" cy="646331"/>
           </a:xfrm>
           <a:prstGeom prst="rect">
             <a:avLst/>
@@ -4107,15 +4067,36 @@
           <a:p>
             <a:r>
               <a:rPr lang="en-US" sz="1200" i="1" dirty="0" err="1" smtClean="0"/>
-              <a:t>HashSet</a:t>
+              <a:t>ArrayList</a:t>
             </a:r>
             <a:r>
               <a:rPr lang="en-US" sz="1200" i="1" dirty="0" smtClean="0"/>
-              <a:t> bloat factor = </a:t>
-            </a:r>
+              <a:t> total size </a:t>
+            </a:r>
+            <a:r>
+              <a:rPr lang="en-US" sz="1200" i="1" smtClean="0"/>
+              <a:t>= </a:t>
+            </a:r>
+            <a:r>
+              <a:rPr lang="en-US" sz="1200" i="1" smtClean="0"/>
+              <a:t>32.8MB</a:t>
+            </a:r>
+            <a:endParaRPr lang="en-US" sz="1200" i="1" dirty="0" smtClean="0"/>
+          </a:p>
+          <a:p>
             <a:r>
               <a:rPr lang="en-US" sz="1200" i="1" dirty="0" smtClean="0"/>
-              <a:t>95.3%</a:t>
+              <a:t>Savings: 31%</a:t>
+            </a:r>
+          </a:p>
+          <a:p>
+            <a:r>
+              <a:rPr lang="en-US" sz="1200" i="1" dirty="0" err="1" smtClean="0"/>
+              <a:t>ArrayList</a:t>
+            </a:r>
+            <a:r>
+              <a:rPr lang="en-US" sz="1200" i="1" dirty="0" smtClean="0"/>
+              <a:t> bloat factor = 95.3%</a:t>
             </a:r>
             <a:endParaRPr lang="en-US" sz="1200" i="1" dirty="0"/>
           </a:p>

--- a/part3/Figures/trimmed-graph.pptx
+++ b/part3/Figures/trimmed-graph.pptx
@@ -289,7 +289,7 @@
             <a:fld id="{3D7BA643-B6E4-5F47-8F97-5B8A5CDFA610}" type="datetimeFigureOut">
               <a:rPr lang="en-US" smtClean="0"/>
               <a:pPr/>
-              <a:t>5/12/10</a:t>
+              <a:t>8/23/10</a:t>
             </a:fld>
             <a:endParaRPr lang="en-US"/>
           </a:p>
@@ -456,7 +456,7 @@
             <a:fld id="{3D7BA643-B6E4-5F47-8F97-5B8A5CDFA610}" type="datetimeFigureOut">
               <a:rPr lang="en-US" smtClean="0"/>
               <a:pPr/>
-              <a:t>5/12/10</a:t>
+              <a:t>8/23/10</a:t>
             </a:fld>
             <a:endParaRPr lang="en-US"/>
           </a:p>
@@ -633,7 +633,7 @@
             <a:fld id="{3D7BA643-B6E4-5F47-8F97-5B8A5CDFA610}" type="datetimeFigureOut">
               <a:rPr lang="en-US" smtClean="0"/>
               <a:pPr/>
-              <a:t>5/12/10</a:t>
+              <a:t>8/23/10</a:t>
             </a:fld>
             <a:endParaRPr lang="en-US"/>
           </a:p>
@@ -800,7 +800,7 @@
             <a:fld id="{3D7BA643-B6E4-5F47-8F97-5B8A5CDFA610}" type="datetimeFigureOut">
               <a:rPr lang="en-US" smtClean="0"/>
               <a:pPr/>
-              <a:t>5/12/10</a:t>
+              <a:t>8/23/10</a:t>
             </a:fld>
             <a:endParaRPr lang="en-US"/>
           </a:p>
@@ -1043,7 +1043,7 @@
             <a:fld id="{3D7BA643-B6E4-5F47-8F97-5B8A5CDFA610}" type="datetimeFigureOut">
               <a:rPr lang="en-US" smtClean="0"/>
               <a:pPr/>
-              <a:t>5/12/10</a:t>
+              <a:t>8/23/10</a:t>
             </a:fld>
             <a:endParaRPr lang="en-US"/>
           </a:p>
@@ -1328,7 +1328,7 @@
             <a:fld id="{3D7BA643-B6E4-5F47-8F97-5B8A5CDFA610}" type="datetimeFigureOut">
               <a:rPr lang="en-US" smtClean="0"/>
               <a:pPr/>
-              <a:t>5/12/10</a:t>
+              <a:t>8/23/10</a:t>
             </a:fld>
             <a:endParaRPr lang="en-US"/>
           </a:p>
@@ -1747,7 +1747,7 @@
             <a:fld id="{3D7BA643-B6E4-5F47-8F97-5B8A5CDFA610}" type="datetimeFigureOut">
               <a:rPr lang="en-US" smtClean="0"/>
               <a:pPr/>
-              <a:t>5/12/10</a:t>
+              <a:t>8/23/10</a:t>
             </a:fld>
             <a:endParaRPr lang="en-US"/>
           </a:p>
@@ -1862,7 +1862,7 @@
             <a:fld id="{3D7BA643-B6E4-5F47-8F97-5B8A5CDFA610}" type="datetimeFigureOut">
               <a:rPr lang="en-US" smtClean="0"/>
               <a:pPr/>
-              <a:t>5/12/10</a:t>
+              <a:t>8/23/10</a:t>
             </a:fld>
             <a:endParaRPr lang="en-US"/>
           </a:p>
@@ -1954,7 +1954,7 @@
             <a:fld id="{3D7BA643-B6E4-5F47-8F97-5B8A5CDFA610}" type="datetimeFigureOut">
               <a:rPr lang="en-US" smtClean="0"/>
               <a:pPr/>
-              <a:t>5/12/10</a:t>
+              <a:t>8/23/10</a:t>
             </a:fld>
             <a:endParaRPr lang="en-US"/>
           </a:p>
@@ -2228,7 +2228,7 @@
             <a:fld id="{3D7BA643-B6E4-5F47-8F97-5B8A5CDFA610}" type="datetimeFigureOut">
               <a:rPr lang="en-US" smtClean="0"/>
               <a:pPr/>
-              <a:t>5/12/10</a:t>
+              <a:t>8/23/10</a:t>
             </a:fld>
             <a:endParaRPr lang="en-US"/>
           </a:p>
@@ -2478,7 +2478,7 @@
             <a:fld id="{3D7BA643-B6E4-5F47-8F97-5B8A5CDFA610}" type="datetimeFigureOut">
               <a:rPr lang="en-US" smtClean="0"/>
               <a:pPr/>
-              <a:t>5/12/10</a:t>
+              <a:t>8/23/10</a:t>
             </a:fld>
             <a:endParaRPr lang="en-US"/>
           </a:p>
@@ -2688,7 +2688,7 @@
             <a:fld id="{3D7BA643-B6E4-5F47-8F97-5B8A5CDFA610}" type="datetimeFigureOut">
               <a:rPr lang="en-US" smtClean="0"/>
               <a:pPr/>
-              <a:t>5/12/10</a:t>
+              <a:t>8/23/10</a:t>
             </a:fld>
             <a:endParaRPr lang="en-US"/>
           </a:p>
@@ -3159,8 +3159,8 @@
         </p:nvSpPr>
         <p:spPr>
           <a:xfrm>
-            <a:off x="4055001" y="3114290"/>
-            <a:ext cx="1586492" cy="593704"/>
+            <a:off x="3991060" y="3194768"/>
+            <a:ext cx="1721327" cy="593704"/>
           </a:xfrm>
           <a:prstGeom prst="rect">
             <a:avLst/>
@@ -3344,8 +3344,8 @@
         </p:nvCxnSpPr>
         <p:spPr>
           <a:xfrm rot="16200000" flipH="1">
-            <a:off x="4491924" y="2757966"/>
-            <a:ext cx="693005" cy="19642"/>
+            <a:off x="4453423" y="2796466"/>
+            <a:ext cx="773483" cy="23119"/>
           </a:xfrm>
           <a:prstGeom prst="straightConnector1">
             <a:avLst/>
@@ -3420,7 +3420,7 @@
         <p:spPr>
           <a:xfrm>
             <a:off x="4013213" y="4411418"/>
-            <a:ext cx="1636899" cy="523220"/>
+            <a:ext cx="1727894" cy="523220"/>
           </a:xfrm>
           <a:prstGeom prst="rect">
             <a:avLst/>
@@ -3446,7 +3446,11 @@
           <a:p>
             <a:r>
               <a:rPr lang="en-US" sz="1400" i="1" dirty="0" smtClean="0"/>
-              <a:t>x400,000 = 18.3MB</a:t>
+              <a:t>x400,000 = </a:t>
+            </a:r>
+            <a:r>
+              <a:rPr lang="en-US" sz="1400" i="1" dirty="0" smtClean="0"/>
+              <a:t>18.31MB</a:t>
             </a:r>
             <a:endParaRPr lang="en-US" sz="1400" i="1" dirty="0"/>
           </a:p>
@@ -3460,8 +3464,8 @@
         </p:nvSpPr>
         <p:spPr>
           <a:xfrm>
-            <a:off x="4055001" y="3114290"/>
-            <a:ext cx="1586492" cy="523220"/>
+            <a:off x="3967947" y="3214621"/>
+            <a:ext cx="1727894" cy="523220"/>
           </a:xfrm>
           <a:prstGeom prst="rect">
             <a:avLst/>
@@ -3486,7 +3490,11 @@
             </a:r>
             <a:r>
               <a:rPr lang="en-US" sz="1400" i="1" dirty="0" smtClean="0"/>
-              <a:t>400,000 = 6.1MB</a:t>
+              <a:t>400,000 = </a:t>
+            </a:r>
+            <a:r>
+              <a:rPr lang="en-US" sz="1400" i="1" dirty="0" smtClean="0"/>
+              <a:t>6.103MB</a:t>
             </a:r>
             <a:endParaRPr lang="en-US" sz="1400" i="1" dirty="0"/>
           </a:p>
@@ -3765,9 +3773,9 @@
           <p:nvPr/>
         </p:nvCxnSpPr>
         <p:spPr>
-          <a:xfrm rot="16200000" flipH="1">
-            <a:off x="4620472" y="3935769"/>
-            <a:ext cx="457438" cy="1888"/>
+          <a:xfrm rot="5400000">
+            <a:off x="4590241" y="3984427"/>
+            <a:ext cx="457439" cy="65528"/>
           </a:xfrm>
           <a:prstGeom prst="straightConnector1">
             <a:avLst/>
@@ -3832,8 +3840,8 @@
         </p:nvSpPr>
         <p:spPr>
           <a:xfrm>
-            <a:off x="4055001" y="5688265"/>
-            <a:ext cx="1667218" cy="523220"/>
+            <a:off x="3927119" y="5809060"/>
+            <a:ext cx="1849209" cy="523220"/>
           </a:xfrm>
           <a:prstGeom prst="rect">
             <a:avLst/>
@@ -3858,7 +3866,19 @@
             </a:r>
             <a:r>
               <a:rPr lang="en-US" sz="1400" i="1" dirty="0" smtClean="0"/>
-              <a:t>800,000 = 3.05MB</a:t>
+              <a:t>800,000 =</a:t>
+            </a:r>
+            <a:r>
+              <a:rPr lang="en-US" sz="1400" i="1" dirty="0" smtClean="0"/>
+              <a:t> </a:t>
+            </a:r>
+            <a:r>
+              <a:rPr lang="en-US" sz="1400" i="1" dirty="0" smtClean="0"/>
+              <a:t>12.207</a:t>
+            </a:r>
+            <a:r>
+              <a:rPr lang="en-US" sz="1400" i="1" dirty="0" smtClean="0"/>
+              <a:t>MB</a:t>
             </a:r>
             <a:endParaRPr lang="en-US" sz="1400" i="1" dirty="0"/>
           </a:p>
@@ -3872,8 +3892,8 @@
         </p:nvSpPr>
         <p:spPr>
           <a:xfrm>
-            <a:off x="4034565" y="5688265"/>
-            <a:ext cx="1586492" cy="593704"/>
+            <a:off x="3953904" y="5738576"/>
+            <a:ext cx="1755979" cy="593704"/>
           </a:xfrm>
           <a:prstGeom prst="rect">
             <a:avLst/>
@@ -3918,9 +3938,9 @@
           <p:nvPr/>
         </p:nvCxnSpPr>
         <p:spPr>
-          <a:xfrm rot="5400000">
-            <a:off x="4586291" y="5445951"/>
-            <a:ext cx="483834" cy="794"/>
+          <a:xfrm rot="16200000" flipH="1">
+            <a:off x="4563177" y="5469858"/>
+            <a:ext cx="534145" cy="3289"/>
           </a:xfrm>
           <a:prstGeom prst="straightConnector1">
             <a:avLst/>
@@ -4016,7 +4036,7 @@
         <p:spPr>
           <a:xfrm>
             <a:off x="6464646" y="5573763"/>
-            <a:ext cx="1828620" cy="461665"/>
+            <a:ext cx="1828170" cy="461665"/>
           </a:xfrm>
           <a:prstGeom prst="rect">
             <a:avLst/>
@@ -4031,13 +4051,30 @@
           <a:p>
             <a:r>
               <a:rPr lang="en-US" sz="1200" i="1" dirty="0" smtClean="0"/>
-              <a:t>1,600,000 bytes data</a:t>
-            </a:r>
-          </a:p>
-          <a:p>
+              <a:t>3,2</a:t>
+            </a:r>
             <a:r>
               <a:rPr lang="en-US" sz="1200" i="1" dirty="0" smtClean="0"/>
-              <a:t>1.600,000 bytes overhead</a:t>
+              <a:t>00,000 </a:t>
+            </a:r>
+            <a:r>
+              <a:rPr lang="en-US" sz="1200" i="1" dirty="0" smtClean="0"/>
+              <a:t>bytes data</a:t>
+            </a:r>
+            <a:endParaRPr lang="en-US" sz="1200" i="1" dirty="0" smtClean="0"/>
+          </a:p>
+          <a:p>
+            <a:r>
+              <a:rPr lang="en-US" sz="1200" i="1" dirty="0" smtClean="0"/>
+              <a:t>9,6</a:t>
+            </a:r>
+            <a:r>
+              <a:rPr lang="en-US" sz="1200" i="1" dirty="0" smtClean="0"/>
+              <a:t>00,000 </a:t>
+            </a:r>
+            <a:r>
+              <a:rPr lang="en-US" sz="1200" i="1" dirty="0" smtClean="0"/>
+              <a:t>bytes overhead</a:t>
             </a:r>
             <a:endParaRPr lang="en-US" sz="1200" i="1" dirty="0"/>
           </a:p>
@@ -4052,7 +4089,7 @@
         <p:spPr>
           <a:xfrm>
             <a:off x="914400" y="4411418"/>
-            <a:ext cx="2120618" cy="646331"/>
+            <a:ext cx="1672703" cy="646331"/>
           </a:xfrm>
           <a:prstGeom prst="rect">
             <a:avLst/>
@@ -4066,37 +4103,73 @@
           <a:lstStyle/>
           <a:p>
             <a:r>
-              <a:rPr lang="en-US" sz="1200" i="1" dirty="0" err="1" smtClean="0"/>
-              <a:t>ArrayList</a:t>
-            </a:r>
-            <a:r>
               <a:rPr lang="en-US" sz="1200" i="1" dirty="0" smtClean="0"/>
-              <a:t> total size </a:t>
-            </a:r>
-            <a:r>
-              <a:rPr lang="en-US" sz="1200" i="1" smtClean="0"/>
-              <a:t>= </a:t>
-            </a:r>
-            <a:r>
-              <a:rPr lang="en-US" sz="1200" i="1" smtClean="0"/>
-              <a:t>32.8MB</a:t>
+              <a:t> </a:t>
+            </a:r>
+            <a:r>
+              <a:rPr lang="en-US" sz="1200" i="1" dirty="0" smtClean="0"/>
+              <a:t>T</a:t>
+            </a:r>
+            <a:r>
+              <a:rPr lang="en-US" sz="1200" i="1" dirty="0" smtClean="0"/>
+              <a:t>otal </a:t>
+            </a:r>
+            <a:r>
+              <a:rPr lang="en-US" sz="1200" i="1" dirty="0" smtClean="0"/>
+              <a:t>size =</a:t>
+            </a:r>
+            <a:r>
+              <a:rPr lang="en-US" sz="1200" i="1" dirty="0" smtClean="0"/>
+              <a:t> </a:t>
+            </a:r>
+            <a:r>
+              <a:rPr lang="en-US" sz="1200" i="1" dirty="0" smtClean="0"/>
+              <a:t>41.962</a:t>
+            </a:r>
+            <a:r>
+              <a:rPr lang="en-US" sz="1200" i="1" dirty="0" smtClean="0"/>
+              <a:t>MB</a:t>
             </a:r>
             <a:endParaRPr lang="en-US" sz="1200" i="1" dirty="0" smtClean="0"/>
           </a:p>
           <a:p>
             <a:r>
               <a:rPr lang="en-US" sz="1200" i="1" dirty="0" smtClean="0"/>
-              <a:t>Savings: 31%</a:t>
-            </a:r>
-          </a:p>
-          <a:p>
-            <a:r>
-              <a:rPr lang="en-US" sz="1200" i="1" dirty="0" err="1" smtClean="0"/>
-              <a:t>ArrayList</a:t>
+              <a:t>Savings: </a:t>
             </a:r>
             <a:r>
               <a:rPr lang="en-US" sz="1200" i="1" dirty="0" smtClean="0"/>
-              <a:t> bloat factor = 95.3%</a:t>
+              <a:t>25.6</a:t>
+            </a:r>
+            <a:r>
+              <a:rPr lang="en-US" sz="1200" i="1" dirty="0" smtClean="0"/>
+              <a:t>%</a:t>
+            </a:r>
+          </a:p>
+          <a:p>
+            <a:r>
+              <a:rPr lang="en-US" sz="1200" i="1" dirty="0" smtClean="0"/>
+              <a:t>B</a:t>
+            </a:r>
+            <a:r>
+              <a:rPr lang="en-US" sz="1200" i="1" dirty="0" smtClean="0"/>
+              <a:t>loat </a:t>
+            </a:r>
+            <a:r>
+              <a:rPr lang="en-US" sz="1200" i="1" dirty="0" smtClean="0"/>
+              <a:t>factor =</a:t>
+            </a:r>
+            <a:r>
+              <a:rPr lang="en-US" sz="1200" i="1" dirty="0" smtClean="0"/>
+              <a:t> </a:t>
+            </a:r>
+            <a:r>
+              <a:rPr lang="en-US" sz="1200" i="1" dirty="0" smtClean="0"/>
+              <a:t>92.7</a:t>
+            </a:r>
+            <a:r>
+              <a:rPr lang="en-US" sz="1200" i="1" dirty="0" smtClean="0"/>
+              <a:t>%</a:t>
             </a:r>
             <a:endParaRPr lang="en-US" sz="1200" i="1" dirty="0"/>
           </a:p>

--- a/part3/Figures/trimmed-graph.pptx
+++ b/part3/Figures/trimmed-graph.pptx
@@ -289,7 +289,7 @@
             <a:fld id="{3D7BA643-B6E4-5F47-8F97-5B8A5CDFA610}" type="datetimeFigureOut">
               <a:rPr lang="en-US" smtClean="0"/>
               <a:pPr/>
-              <a:t>8/23/10</a:t>
+              <a:t>8/31/10</a:t>
             </a:fld>
             <a:endParaRPr lang="en-US"/>
           </a:p>
@@ -456,7 +456,7 @@
             <a:fld id="{3D7BA643-B6E4-5F47-8F97-5B8A5CDFA610}" type="datetimeFigureOut">
               <a:rPr lang="en-US" smtClean="0"/>
               <a:pPr/>
-              <a:t>8/23/10</a:t>
+              <a:t>8/31/10</a:t>
             </a:fld>
             <a:endParaRPr lang="en-US"/>
           </a:p>
@@ -633,7 +633,7 @@
             <a:fld id="{3D7BA643-B6E4-5F47-8F97-5B8A5CDFA610}" type="datetimeFigureOut">
               <a:rPr lang="en-US" smtClean="0"/>
               <a:pPr/>
-              <a:t>8/23/10</a:t>
+              <a:t>8/31/10</a:t>
             </a:fld>
             <a:endParaRPr lang="en-US"/>
           </a:p>
@@ -800,7 +800,7 @@
             <a:fld id="{3D7BA643-B6E4-5F47-8F97-5B8A5CDFA610}" type="datetimeFigureOut">
               <a:rPr lang="en-US" smtClean="0"/>
               <a:pPr/>
-              <a:t>8/23/10</a:t>
+              <a:t>8/31/10</a:t>
             </a:fld>
             <a:endParaRPr lang="en-US"/>
           </a:p>
@@ -1043,7 +1043,7 @@
             <a:fld id="{3D7BA643-B6E4-5F47-8F97-5B8A5CDFA610}" type="datetimeFigureOut">
               <a:rPr lang="en-US" smtClean="0"/>
               <a:pPr/>
-              <a:t>8/23/10</a:t>
+              <a:t>8/31/10</a:t>
             </a:fld>
             <a:endParaRPr lang="en-US"/>
           </a:p>
@@ -1328,7 +1328,7 @@
             <a:fld id="{3D7BA643-B6E4-5F47-8F97-5B8A5CDFA610}" type="datetimeFigureOut">
               <a:rPr lang="en-US" smtClean="0"/>
               <a:pPr/>
-              <a:t>8/23/10</a:t>
+              <a:t>8/31/10</a:t>
             </a:fld>
             <a:endParaRPr lang="en-US"/>
           </a:p>
@@ -1747,7 +1747,7 @@
             <a:fld id="{3D7BA643-B6E4-5F47-8F97-5B8A5CDFA610}" type="datetimeFigureOut">
               <a:rPr lang="en-US" smtClean="0"/>
               <a:pPr/>
-              <a:t>8/23/10</a:t>
+              <a:t>8/31/10</a:t>
             </a:fld>
             <a:endParaRPr lang="en-US"/>
           </a:p>
@@ -1862,7 +1862,7 @@
             <a:fld id="{3D7BA643-B6E4-5F47-8F97-5B8A5CDFA610}" type="datetimeFigureOut">
               <a:rPr lang="en-US" smtClean="0"/>
               <a:pPr/>
-              <a:t>8/23/10</a:t>
+              <a:t>8/31/10</a:t>
             </a:fld>
             <a:endParaRPr lang="en-US"/>
           </a:p>
@@ -1954,7 +1954,7 @@
             <a:fld id="{3D7BA643-B6E4-5F47-8F97-5B8A5CDFA610}" type="datetimeFigureOut">
               <a:rPr lang="en-US" smtClean="0"/>
               <a:pPr/>
-              <a:t>8/23/10</a:t>
+              <a:t>8/31/10</a:t>
             </a:fld>
             <a:endParaRPr lang="en-US"/>
           </a:p>
@@ -2228,7 +2228,7 @@
             <a:fld id="{3D7BA643-B6E4-5F47-8F97-5B8A5CDFA610}" type="datetimeFigureOut">
               <a:rPr lang="en-US" smtClean="0"/>
               <a:pPr/>
-              <a:t>8/23/10</a:t>
+              <a:t>8/31/10</a:t>
             </a:fld>
             <a:endParaRPr lang="en-US"/>
           </a:p>
@@ -2478,7 +2478,7 @@
             <a:fld id="{3D7BA643-B6E4-5F47-8F97-5B8A5CDFA610}" type="datetimeFigureOut">
               <a:rPr lang="en-US" smtClean="0"/>
               <a:pPr/>
-              <a:t>8/23/10</a:t>
+              <a:t>8/31/10</a:t>
             </a:fld>
             <a:endParaRPr lang="en-US"/>
           </a:p>
@@ -2688,7 +2688,7 @@
             <a:fld id="{3D7BA643-B6E4-5F47-8F97-5B8A5CDFA610}" type="datetimeFigureOut">
               <a:rPr lang="en-US" smtClean="0"/>
               <a:pPr/>
-              <a:t>8/23/10</a:t>
+              <a:t>8/31/10</a:t>
             </a:fld>
             <a:endParaRPr lang="en-US"/>
           </a:p>
@@ -3061,24 +3061,20 @@
       </p:grpSpPr>
       <p:sp>
         <p:nvSpPr>
-          <p:cNvPr id="2" name="Regular Pentagon 1"/>
+          <p:cNvPr id="3" name="Regular Pentagon 2"/>
           <p:cNvSpPr/>
           <p:nvPr/>
         </p:nvSpPr>
         <p:spPr>
           <a:xfrm>
-            <a:off x="1981200" y="426185"/>
-            <a:ext cx="1972705" cy="945177"/>
+            <a:off x="3817198" y="1567697"/>
+            <a:ext cx="2022813" cy="853588"/>
           </a:xfrm>
           <a:prstGeom prst="pentagon">
             <a:avLst/>
           </a:prstGeom>
-          <a:solidFill>
-            <a:schemeClr val="bg1">
-              <a:lumMod val="85000"/>
-            </a:schemeClr>
-          </a:solidFill>
-          <a:ln>
+          <a:noFill/>
+          <a:ln w="38100">
             <a:solidFill>
               <a:schemeClr val="tx1"/>
             </a:solidFill>
@@ -3103,22 +3099,22 @@
           <a:lstStyle/>
           <a:p>
             <a:pPr algn="ctr"/>
-            <a:endParaRPr lang="en-US"/>
-          </a:p>
-        </p:txBody>
-      </p:sp>
-      <p:sp>
-        <p:nvSpPr>
-          <p:cNvPr id="3" name="Regular Pentagon 2"/>
+            <a:endParaRPr lang="en-US" sz="1400"/>
+          </a:p>
+        </p:txBody>
+      </p:sp>
+      <p:sp>
+        <p:nvSpPr>
+          <p:cNvPr id="4" name="Rectangle 3"/>
           <p:cNvSpPr/>
           <p:nvPr/>
         </p:nvSpPr>
         <p:spPr>
           <a:xfrm>
-            <a:off x="3817198" y="1567697"/>
-            <a:ext cx="2022813" cy="853588"/>
-          </a:xfrm>
-          <a:prstGeom prst="pentagon">
+            <a:off x="4019780" y="3144138"/>
+            <a:ext cx="1721327" cy="593704"/>
+          </a:xfrm>
+          <a:prstGeom prst="rect">
             <a:avLst/>
           </a:prstGeom>
           <a:noFill/>
@@ -3151,162 +3147,16 @@
           </a:p>
         </p:txBody>
       </p:sp>
-      <p:sp>
-        <p:nvSpPr>
-          <p:cNvPr id="4" name="Rectangle 3"/>
-          <p:cNvSpPr/>
-          <p:nvPr/>
-        </p:nvSpPr>
-        <p:spPr>
-          <a:xfrm>
-            <a:off x="3991060" y="3194768"/>
-            <a:ext cx="1721327" cy="593704"/>
-          </a:xfrm>
-          <a:prstGeom prst="rect">
-            <a:avLst/>
-          </a:prstGeom>
-          <a:noFill/>
-          <a:ln>
-            <a:solidFill>
-              <a:schemeClr val="tx1"/>
-            </a:solidFill>
-          </a:ln>
-        </p:spPr>
-        <p:style>
-          <a:lnRef idx="1">
-            <a:schemeClr val="accent1"/>
-          </a:lnRef>
-          <a:fillRef idx="3">
-            <a:schemeClr val="accent1"/>
-          </a:fillRef>
-          <a:effectRef idx="2">
-            <a:schemeClr val="accent1"/>
-          </a:effectRef>
-          <a:fontRef idx="minor">
-            <a:schemeClr val="lt1"/>
-          </a:fontRef>
-        </p:style>
-        <p:txBody>
-          <a:bodyPr rtlCol="0" anchor="ctr"/>
-          <a:lstStyle/>
-          <a:p>
-            <a:pPr algn="ctr"/>
-            <a:endParaRPr lang="en-US" sz="1400"/>
-          </a:p>
-        </p:txBody>
-      </p:sp>
-      <p:sp>
-        <p:nvSpPr>
-          <p:cNvPr id="5" name="Rectangle 4"/>
-          <p:cNvSpPr/>
-          <p:nvPr/>
-        </p:nvSpPr>
-        <p:spPr>
-          <a:xfrm>
-            <a:off x="761999" y="2057159"/>
-            <a:ext cx="1595956" cy="579570"/>
-          </a:xfrm>
-          <a:prstGeom prst="rect">
-            <a:avLst/>
-          </a:prstGeom>
-          <a:solidFill>
-            <a:schemeClr val="bg1">
-              <a:lumMod val="85000"/>
-            </a:schemeClr>
-          </a:solidFill>
-          <a:ln>
-            <a:solidFill>
-              <a:schemeClr val="tx1"/>
-            </a:solidFill>
-          </a:ln>
-        </p:spPr>
-        <p:style>
-          <a:lnRef idx="1">
-            <a:schemeClr val="accent1"/>
-          </a:lnRef>
-          <a:fillRef idx="3">
-            <a:schemeClr val="accent1"/>
-          </a:fillRef>
-          <a:effectRef idx="2">
-            <a:schemeClr val="accent1"/>
-          </a:effectRef>
-          <a:fontRef idx="minor">
-            <a:schemeClr val="lt1"/>
-          </a:fontRef>
-        </p:style>
-        <p:txBody>
-          <a:bodyPr rtlCol="0" anchor="ctr"/>
-          <a:lstStyle/>
-          <a:p>
-            <a:pPr algn="ctr"/>
-            <a:endParaRPr lang="en-US" sz="1400"/>
-          </a:p>
-        </p:txBody>
-      </p:sp>
-      <p:sp>
-        <p:nvSpPr>
-          <p:cNvPr id="6" name="TextBox 5"/>
-          <p:cNvSpPr txBox="1"/>
-          <p:nvPr/>
-        </p:nvSpPr>
-        <p:spPr>
-          <a:xfrm>
-            <a:off x="2456858" y="733962"/>
-            <a:ext cx="954859" cy="307777"/>
-          </a:xfrm>
-          <a:prstGeom prst="rect">
-            <a:avLst/>
-          </a:prstGeom>
-          <a:noFill/>
-        </p:spPr>
-        <p:txBody>
-          <a:bodyPr wrap="none" rtlCol="0">
-            <a:spAutoFit/>
-          </a:bodyPr>
-          <a:lstStyle/>
-          <a:p>
-            <a:pPr lvl="0"/>
-            <a:r>
-              <a:rPr lang="en-US" sz="1400" dirty="0" smtClean="0"/>
-              <a:t> </a:t>
-            </a:r>
-            <a:r>
-              <a:rPr lang="en-US" sz="1400" dirty="0" err="1" smtClean="0">
-                <a:solidFill>
-                  <a:prstClr val="black"/>
-                </a:solidFill>
-              </a:rPr>
-              <a:t>HashMap</a:t>
-            </a:r>
-            <a:r>
-              <a:rPr lang="en-US" sz="1400" i="1" dirty="0" smtClean="0">
-                <a:solidFill>
-                  <a:prstClr val="black"/>
-                </a:solidFill>
-              </a:rPr>
-              <a:t> </a:t>
-            </a:r>
-            <a:endParaRPr lang="en-US" sz="1400" i="1" dirty="0">
-              <a:solidFill>
-                <a:prstClr val="black"/>
-              </a:solidFill>
-            </a:endParaRPr>
-          </a:p>
-        </p:txBody>
-      </p:sp>
       <p:cxnSp>
         <p:nvCxnSpPr>
           <p:cNvPr id="7" name="Straight Arrow Connector 6"/>
-          <p:cNvCxnSpPr>
-            <a:stCxn id="2" idx="4"/>
-            <a:endCxn id="3" idx="0"/>
-          </p:cNvCxnSpPr>
+          <p:cNvCxnSpPr/>
           <p:nvPr/>
         </p:nvCxnSpPr>
         <p:spPr>
           <a:xfrm rot="16200000" flipH="1">
-            <a:off x="4104710" y="843801"/>
-            <a:ext cx="196337" cy="1251454"/>
+            <a:off x="4372679" y="1088646"/>
+            <a:ext cx="958094" cy="5"/>
           </a:xfrm>
           <a:prstGeom prst="straightConnector1">
             <a:avLst/>
@@ -3344,8 +3194,8 @@
         </p:nvCxnSpPr>
         <p:spPr>
           <a:xfrm rot="16200000" flipH="1">
-            <a:off x="4453423" y="2796466"/>
-            <a:ext cx="773483" cy="23119"/>
+            <a:off x="4493098" y="2756791"/>
+            <a:ext cx="722853" cy="51839"/>
           </a:xfrm>
           <a:prstGeom prst="straightConnector1">
             <a:avLst/>
@@ -3372,19 +3222,241 @@
           </a:fontRef>
         </p:style>
       </p:cxnSp>
+      <p:sp>
+        <p:nvSpPr>
+          <p:cNvPr id="10" name="TextBox 9"/>
+          <p:cNvSpPr txBox="1"/>
+          <p:nvPr/>
+        </p:nvSpPr>
+        <p:spPr>
+          <a:xfrm>
+            <a:off x="4013213" y="4411418"/>
+            <a:ext cx="1727894" cy="523220"/>
+          </a:xfrm>
+          <a:prstGeom prst="rect">
+            <a:avLst/>
+          </a:prstGeom>
+          <a:noFill/>
+        </p:spPr>
+        <p:txBody>
+          <a:bodyPr wrap="none" rtlCol="0">
+            <a:spAutoFit/>
+          </a:bodyPr>
+          <a:lstStyle/>
+          <a:p>
+            <a:r>
+              <a:rPr lang="en-US" sz="1400" dirty="0" smtClean="0"/>
+              <a:t>          </a:t>
+            </a:r>
+            <a:r>
+              <a:rPr lang="en-US" sz="1400" dirty="0" err="1" smtClean="0"/>
+              <a:t>ArrayList</a:t>
+            </a:r>
+            <a:endParaRPr lang="en-US" sz="1400" dirty="0" smtClean="0"/>
+          </a:p>
+          <a:p>
+            <a:r>
+              <a:rPr lang="en-US" sz="1400" i="1" dirty="0" smtClean="0"/>
+              <a:t>x400,000 = 18.31MB</a:t>
+            </a:r>
+            <a:endParaRPr lang="en-US" sz="1400" i="1" dirty="0"/>
+          </a:p>
+        </p:txBody>
+      </p:sp>
+      <p:sp>
+        <p:nvSpPr>
+          <p:cNvPr id="11" name="TextBox 10"/>
+          <p:cNvSpPr txBox="1"/>
+          <p:nvPr/>
+        </p:nvSpPr>
+        <p:spPr>
+          <a:xfrm>
+            <a:off x="3967947" y="3214621"/>
+            <a:ext cx="1727894" cy="523220"/>
+          </a:xfrm>
+          <a:prstGeom prst="rect">
+            <a:avLst/>
+          </a:prstGeom>
+          <a:noFill/>
+        </p:spPr>
+        <p:txBody>
+          <a:bodyPr wrap="none" rtlCol="0">
+            <a:spAutoFit/>
+          </a:bodyPr>
+          <a:lstStyle/>
+          <a:p>
+            <a:r>
+              <a:rPr lang="en-US" sz="1400" dirty="0" smtClean="0"/>
+              <a:t>           Edge</a:t>
+            </a:r>
+            <a:endParaRPr lang="en-US" sz="1400" dirty="0" smtClean="0"/>
+          </a:p>
+          <a:p>
+            <a:r>
+              <a:rPr lang="en-US" sz="1400" i="1" dirty="0" smtClean="0"/>
+              <a:t>x400,000 = 6.103MB</a:t>
+            </a:r>
+            <a:endParaRPr lang="en-US" sz="1400" i="1" dirty="0"/>
+          </a:p>
+        </p:txBody>
+      </p:sp>
+      <p:sp>
+        <p:nvSpPr>
+          <p:cNvPr id="14" name="TextBox 13"/>
+          <p:cNvSpPr txBox="1"/>
+          <p:nvPr/>
+        </p:nvSpPr>
+        <p:spPr>
+          <a:xfrm>
+            <a:off x="4936952" y="915888"/>
+            <a:ext cx="775435" cy="307777"/>
+          </a:xfrm>
+          <a:prstGeom prst="rect">
+            <a:avLst/>
+          </a:prstGeom>
+          <a:noFill/>
+        </p:spPr>
+        <p:txBody>
+          <a:bodyPr wrap="none" rtlCol="0">
+            <a:spAutoFit/>
+          </a:bodyPr>
+          <a:lstStyle/>
+          <a:p>
+            <a:r>
+              <a:rPr lang="en-US" sz="1400" dirty="0" smtClean="0"/>
+              <a:t>100,000</a:t>
+            </a:r>
+            <a:endParaRPr lang="en-US" sz="1400" dirty="0"/>
+          </a:p>
+        </p:txBody>
+      </p:sp>
+      <p:sp>
+        <p:nvSpPr>
+          <p:cNvPr id="15" name="TextBox 14"/>
+          <p:cNvSpPr txBox="1"/>
+          <p:nvPr/>
+        </p:nvSpPr>
+        <p:spPr>
+          <a:xfrm>
+            <a:off x="4827811" y="2482840"/>
+            <a:ext cx="275661" cy="307777"/>
+          </a:xfrm>
+          <a:prstGeom prst="rect">
+            <a:avLst/>
+          </a:prstGeom>
+          <a:noFill/>
+        </p:spPr>
+        <p:txBody>
+          <a:bodyPr wrap="none" rtlCol="0">
+            <a:spAutoFit/>
+          </a:bodyPr>
+          <a:lstStyle/>
+          <a:p>
+            <a:r>
+              <a:rPr lang="en-US" sz="1400" dirty="0" smtClean="0"/>
+              <a:t>4</a:t>
+            </a:r>
+            <a:endParaRPr lang="en-US" sz="1400" dirty="0"/>
+          </a:p>
+        </p:txBody>
+      </p:sp>
+      <p:sp>
+        <p:nvSpPr>
+          <p:cNvPr id="18" name="Regular Pentagon 17"/>
+          <p:cNvSpPr/>
+          <p:nvPr/>
+        </p:nvSpPr>
+        <p:spPr>
+          <a:xfrm>
+            <a:off x="3817198" y="4165432"/>
+            <a:ext cx="2022813" cy="1038999"/>
+          </a:xfrm>
+          <a:prstGeom prst="pentagon">
+            <a:avLst/>
+          </a:prstGeom>
+          <a:noFill/>
+          <a:ln w="38100">
+            <a:solidFill>
+              <a:schemeClr val="tx1"/>
+            </a:solidFill>
+          </a:ln>
+        </p:spPr>
+        <p:style>
+          <a:lnRef idx="1">
+            <a:schemeClr val="accent1"/>
+          </a:lnRef>
+          <a:fillRef idx="3">
+            <a:schemeClr val="accent1"/>
+          </a:fillRef>
+          <a:effectRef idx="2">
+            <a:schemeClr val="accent1"/>
+          </a:effectRef>
+          <a:fontRef idx="minor">
+            <a:schemeClr val="lt1"/>
+          </a:fontRef>
+        </p:style>
+        <p:txBody>
+          <a:bodyPr rtlCol="0" anchor="ctr"/>
+          <a:lstStyle/>
+          <a:p>
+            <a:pPr algn="ctr"/>
+            <a:endParaRPr lang="en-US" sz="1400"/>
+          </a:p>
+        </p:txBody>
+      </p:sp>
+      <p:sp>
+        <p:nvSpPr>
+          <p:cNvPr id="19" name="TextBox 18"/>
+          <p:cNvSpPr txBox="1"/>
+          <p:nvPr/>
+        </p:nvSpPr>
+        <p:spPr>
+          <a:xfrm>
+            <a:off x="4055001" y="1672438"/>
+            <a:ext cx="1654883" cy="523220"/>
+          </a:xfrm>
+          <a:prstGeom prst="rect">
+            <a:avLst/>
+          </a:prstGeom>
+          <a:noFill/>
+        </p:spPr>
+        <p:txBody>
+          <a:bodyPr wrap="none" rtlCol="0">
+            <a:spAutoFit/>
+          </a:bodyPr>
+          <a:lstStyle/>
+          <a:p>
+            <a:r>
+              <a:rPr lang="en-US" sz="1400" dirty="0" smtClean="0"/>
+              <a:t>         </a:t>
+            </a:r>
+            <a:r>
+              <a:rPr lang="en-US" sz="1400" dirty="0" err="1" smtClean="0"/>
+              <a:t>ArrayList</a:t>
+            </a:r>
+            <a:endParaRPr lang="en-US" sz="1400" dirty="0" smtClean="0"/>
+          </a:p>
+          <a:p>
+            <a:r>
+              <a:rPr lang="en-US" sz="1400" i="1" dirty="0" smtClean="0"/>
+              <a:t>X100,000 = 5.34MB</a:t>
+            </a:r>
+            <a:endParaRPr lang="en-US" sz="1400" i="1" dirty="0"/>
+          </a:p>
+        </p:txBody>
+      </p:sp>
       <p:cxnSp>
         <p:nvCxnSpPr>
-          <p:cNvPr id="9" name="Straight Arrow Connector 8"/>
+          <p:cNvPr id="20" name="Straight Arrow Connector 19"/>
           <p:cNvCxnSpPr>
-            <a:stCxn id="2" idx="2"/>
-            <a:endCxn id="5" idx="0"/>
+            <a:stCxn id="4" idx="2"/>
           </p:cNvCxnSpPr>
           <p:nvPr/>
         </p:nvCxnSpPr>
         <p:spPr>
           <a:xfrm rot="5400000">
-            <a:off x="1616067" y="1315271"/>
-            <a:ext cx="685799" cy="797977"/>
+            <a:off x="4618961" y="3933797"/>
+            <a:ext cx="457439" cy="65528"/>
           </a:xfrm>
           <a:prstGeom prst="straightConnector1">
             <a:avLst/>
@@ -3413,14 +3485,14 @@
       </p:cxnSp>
       <p:sp>
         <p:nvSpPr>
-          <p:cNvPr id="10" name="TextBox 9"/>
+          <p:cNvPr id="21" name="TextBox 20"/>
           <p:cNvSpPr txBox="1"/>
           <p:nvPr/>
         </p:nvSpPr>
         <p:spPr>
           <a:xfrm>
-            <a:off x="4013213" y="4411418"/>
-            <a:ext cx="1727894" cy="523220"/>
+            <a:off x="4851724" y="3707994"/>
+            <a:ext cx="301660" cy="369332"/>
           </a:xfrm>
           <a:prstGeom prst="rect">
             <a:avLst/>
@@ -3434,38 +3506,23 @@
           <a:lstStyle/>
           <a:p>
             <a:r>
-              <a:rPr lang="en-US" sz="1400" dirty="0" smtClean="0"/>
-              <a:t>          </a:t>
-            </a:r>
-            <a:r>
-              <a:rPr lang="en-US" sz="1400" dirty="0" err="1" smtClean="0"/>
-              <a:t>ArrayList</a:t>
-            </a:r>
-            <a:endParaRPr lang="en-US" sz="1400" dirty="0" smtClean="0"/>
-          </a:p>
-          <a:p>
-            <a:r>
-              <a:rPr lang="en-US" sz="1400" i="1" dirty="0" smtClean="0"/>
-              <a:t>x400,000 = </a:t>
-            </a:r>
-            <a:r>
-              <a:rPr lang="en-US" sz="1400" i="1" dirty="0" smtClean="0"/>
-              <a:t>18.31MB</a:t>
-            </a:r>
-            <a:endParaRPr lang="en-US" sz="1400" i="1" dirty="0"/>
-          </a:p>
-        </p:txBody>
-      </p:sp>
-      <p:sp>
-        <p:nvSpPr>
-          <p:cNvPr id="11" name="TextBox 10"/>
+              <a:rPr lang="en-US" dirty="0" smtClean="0"/>
+              <a:t>1</a:t>
+            </a:r>
+            <a:endParaRPr lang="en-US" dirty="0"/>
+          </a:p>
+        </p:txBody>
+      </p:sp>
+      <p:sp>
+        <p:nvSpPr>
+          <p:cNvPr id="22" name="TextBox 21"/>
           <p:cNvSpPr txBox="1"/>
           <p:nvPr/>
         </p:nvSpPr>
         <p:spPr>
           <a:xfrm>
-            <a:off x="3967947" y="3214621"/>
-            <a:ext cx="1727894" cy="523220"/>
+            <a:off x="3927119" y="5809060"/>
+            <a:ext cx="1849209" cy="523220"/>
           </a:xfrm>
           <a:prstGeom prst="rect">
             <a:avLst/>
@@ -3480,21 +3537,17 @@
           <a:p>
             <a:r>
               <a:rPr lang="en-US" sz="1400" dirty="0" smtClean="0"/>
-              <a:t>           Edge</a:t>
-            </a:r>
-          </a:p>
-          <a:p>
-            <a:r>
-              <a:rPr lang="en-US" sz="1400" i="1" dirty="0"/>
-              <a:t>x</a:t>
+              <a:t>           Integer</a:t>
+            </a:r>
+          </a:p>
+          <a:p>
+            <a:r>
+              <a:rPr lang="en-US" sz="1400" dirty="0" smtClean="0"/>
+              <a:t> x</a:t>
             </a:r>
             <a:r>
               <a:rPr lang="en-US" sz="1400" i="1" dirty="0" smtClean="0"/>
-              <a:t>400,000 = </a:t>
-            </a:r>
-            <a:r>
-              <a:rPr lang="en-US" sz="1400" i="1" dirty="0" smtClean="0"/>
-              <a:t>6.103MB</a:t>
+              <a:t>800,000 = 12.207MB</a:t>
             </a:r>
             <a:endParaRPr lang="en-US" sz="1400" i="1" dirty="0"/>
           </a:p>
@@ -3502,195 +3555,16 @@
       </p:sp>
       <p:sp>
         <p:nvSpPr>
-          <p:cNvPr id="12" name="TextBox 11"/>
-          <p:cNvSpPr txBox="1"/>
-          <p:nvPr/>
-        </p:nvSpPr>
-        <p:spPr>
-          <a:xfrm>
-            <a:off x="1268872" y="2113508"/>
-            <a:ext cx="710451" cy="307777"/>
-          </a:xfrm>
-          <a:prstGeom prst="rect">
-            <a:avLst/>
-          </a:prstGeom>
-          <a:noFill/>
-        </p:spPr>
-        <p:txBody>
-          <a:bodyPr wrap="none" rtlCol="0">
-            <a:spAutoFit/>
-          </a:bodyPr>
-          <a:lstStyle/>
-          <a:p>
-            <a:r>
-              <a:rPr lang="en-US" sz="1400" dirty="0" smtClean="0"/>
-              <a:t>Integer</a:t>
-            </a:r>
-            <a:endParaRPr lang="en-US" sz="1400" dirty="0"/>
-          </a:p>
-        </p:txBody>
-      </p:sp>
-      <p:sp>
-        <p:nvSpPr>
-          <p:cNvPr id="13" name="TextBox 12"/>
-          <p:cNvSpPr txBox="1"/>
-          <p:nvPr/>
-        </p:nvSpPr>
-        <p:spPr>
-          <a:xfrm>
-            <a:off x="1984745" y="1567697"/>
-            <a:ext cx="775435" cy="307777"/>
-          </a:xfrm>
-          <a:prstGeom prst="rect">
-            <a:avLst/>
-          </a:prstGeom>
-          <a:noFill/>
-        </p:spPr>
-        <p:txBody>
-          <a:bodyPr wrap="none" rtlCol="0">
-            <a:spAutoFit/>
-          </a:bodyPr>
-          <a:lstStyle/>
-          <a:p>
-            <a:r>
-              <a:rPr lang="en-US" sz="1400" dirty="0" smtClean="0"/>
-              <a:t>100,000</a:t>
-            </a:r>
-            <a:endParaRPr lang="en-US" sz="1400" dirty="0"/>
-          </a:p>
-        </p:txBody>
-      </p:sp>
-      <p:sp>
-        <p:nvSpPr>
-          <p:cNvPr id="14" name="TextBox 13"/>
-          <p:cNvSpPr txBox="1"/>
-          <p:nvPr/>
-        </p:nvSpPr>
-        <p:spPr>
-          <a:xfrm>
-            <a:off x="4076289" y="1106031"/>
-            <a:ext cx="775435" cy="307777"/>
-          </a:xfrm>
-          <a:prstGeom prst="rect">
-            <a:avLst/>
-          </a:prstGeom>
-          <a:noFill/>
-        </p:spPr>
-        <p:txBody>
-          <a:bodyPr wrap="none" rtlCol="0">
-            <a:spAutoFit/>
-          </a:bodyPr>
-          <a:lstStyle/>
-          <a:p>
-            <a:r>
-              <a:rPr lang="en-US" sz="1400" dirty="0" smtClean="0"/>
-              <a:t>100,000</a:t>
-            </a:r>
-            <a:endParaRPr lang="en-US" sz="1400" dirty="0"/>
-          </a:p>
-        </p:txBody>
-      </p:sp>
-      <p:sp>
-        <p:nvSpPr>
-          <p:cNvPr id="15" name="TextBox 14"/>
-          <p:cNvSpPr txBox="1"/>
-          <p:nvPr/>
-        </p:nvSpPr>
-        <p:spPr>
-          <a:xfrm>
-            <a:off x="4827811" y="2482840"/>
-            <a:ext cx="275661" cy="307777"/>
-          </a:xfrm>
-          <a:prstGeom prst="rect">
-            <a:avLst/>
-          </a:prstGeom>
-          <a:noFill/>
-        </p:spPr>
-        <p:txBody>
-          <a:bodyPr wrap="none" rtlCol="0">
-            <a:spAutoFit/>
-          </a:bodyPr>
-          <a:lstStyle/>
-          <a:p>
-            <a:r>
-              <a:rPr lang="en-US" sz="1400" dirty="0" smtClean="0"/>
-              <a:t>4</a:t>
-            </a:r>
-            <a:endParaRPr lang="en-US" sz="1400" dirty="0"/>
-          </a:p>
-        </p:txBody>
-      </p:sp>
-      <p:sp>
-        <p:nvSpPr>
-          <p:cNvPr id="16" name="TextBox 15"/>
-          <p:cNvSpPr txBox="1"/>
-          <p:nvPr/>
-        </p:nvSpPr>
-        <p:spPr>
-          <a:xfrm>
-            <a:off x="6386650" y="1918659"/>
-            <a:ext cx="1828170" cy="276999"/>
-          </a:xfrm>
-          <a:prstGeom prst="rect">
-            <a:avLst/>
-          </a:prstGeom>
-          <a:noFill/>
-        </p:spPr>
-        <p:txBody>
-          <a:bodyPr wrap="none" rtlCol="0">
-            <a:spAutoFit/>
-          </a:bodyPr>
-          <a:lstStyle/>
-          <a:p>
-            <a:r>
-              <a:rPr lang="en-US" sz="1200" i="1" dirty="0" smtClean="0"/>
-              <a:t>5,600,000 bytes overhead</a:t>
-            </a:r>
-            <a:endParaRPr lang="en-US" sz="1200" i="1" dirty="0"/>
-          </a:p>
-        </p:txBody>
-      </p:sp>
-      <p:sp>
-        <p:nvSpPr>
-          <p:cNvPr id="17" name="TextBox 16"/>
-          <p:cNvSpPr txBox="1"/>
-          <p:nvPr/>
-        </p:nvSpPr>
-        <p:spPr>
-          <a:xfrm>
-            <a:off x="6464646" y="3214621"/>
-            <a:ext cx="1828170" cy="276999"/>
-          </a:xfrm>
-          <a:prstGeom prst="rect">
-            <a:avLst/>
-          </a:prstGeom>
-          <a:noFill/>
-        </p:spPr>
-        <p:txBody>
-          <a:bodyPr wrap="none" rtlCol="0">
-            <a:spAutoFit/>
-          </a:bodyPr>
-          <a:lstStyle/>
-          <a:p>
-            <a:r>
-              <a:rPr lang="en-US" sz="1200" i="1" dirty="0" smtClean="0"/>
-              <a:t>6,400,000 bytes overhead</a:t>
-            </a:r>
-          </a:p>
-        </p:txBody>
-      </p:sp>
-      <p:sp>
-        <p:nvSpPr>
-          <p:cNvPr id="18" name="Regular Pentagon 17"/>
+          <p:cNvPr id="23" name="Rectangle 22"/>
           <p:cNvSpPr/>
           <p:nvPr/>
         </p:nvSpPr>
         <p:spPr>
           <a:xfrm>
-            <a:off x="3817198" y="4165432"/>
-            <a:ext cx="2022813" cy="1038999"/>
-          </a:xfrm>
-          <a:prstGeom prst="pentagon">
+            <a:off x="3953904" y="5738576"/>
+            <a:ext cx="1755979" cy="593704"/>
+          </a:xfrm>
+          <a:prstGeom prst="rect">
             <a:avLst/>
           </a:prstGeom>
           <a:noFill/>
@@ -3723,59 +3597,19 @@
           </a:p>
         </p:txBody>
       </p:sp>
-      <p:sp>
-        <p:nvSpPr>
-          <p:cNvPr id="19" name="TextBox 18"/>
-          <p:cNvSpPr txBox="1"/>
-          <p:nvPr/>
-        </p:nvSpPr>
-        <p:spPr>
-          <a:xfrm>
-            <a:off x="4055001" y="1672438"/>
-            <a:ext cx="1654883" cy="523220"/>
-          </a:xfrm>
-          <a:prstGeom prst="rect">
-            <a:avLst/>
-          </a:prstGeom>
-          <a:noFill/>
-        </p:spPr>
-        <p:txBody>
-          <a:bodyPr wrap="none" rtlCol="0">
-            <a:spAutoFit/>
-          </a:bodyPr>
-          <a:lstStyle/>
-          <a:p>
-            <a:r>
-              <a:rPr lang="en-US" sz="1400" dirty="0" smtClean="0"/>
-              <a:t>         </a:t>
-            </a:r>
-            <a:r>
-              <a:rPr lang="en-US" sz="1400" dirty="0" err="1" smtClean="0"/>
-              <a:t>ArrayList</a:t>
-            </a:r>
-            <a:endParaRPr lang="en-US" sz="1400" dirty="0" smtClean="0"/>
-          </a:p>
-          <a:p>
-            <a:r>
-              <a:rPr lang="en-US" sz="1400" i="1" dirty="0" smtClean="0"/>
-              <a:t>X100,000 = 5.34MB</a:t>
-            </a:r>
-            <a:endParaRPr lang="en-US" sz="1400" i="1" dirty="0"/>
-          </a:p>
-        </p:txBody>
-      </p:sp>
       <p:cxnSp>
         <p:nvCxnSpPr>
-          <p:cNvPr id="20" name="Straight Arrow Connector 19"/>
+          <p:cNvPr id="24" name="Straight Arrow Connector 23"/>
           <p:cNvCxnSpPr>
-            <a:stCxn id="4" idx="2"/>
+            <a:stCxn id="18" idx="3"/>
+            <a:endCxn id="23" idx="0"/>
           </p:cNvCxnSpPr>
           <p:nvPr/>
         </p:nvCxnSpPr>
         <p:spPr>
-          <a:xfrm rot="5400000">
-            <a:off x="4590241" y="3984427"/>
-            <a:ext cx="457439" cy="65528"/>
+          <a:xfrm rot="16200000" flipH="1">
+            <a:off x="4563177" y="5469858"/>
+            <a:ext cx="534145" cy="3289"/>
           </a:xfrm>
           <a:prstGeom prst="straightConnector1">
             <a:avLst/>
@@ -3804,14 +3638,14 @@
       </p:cxnSp>
       <p:sp>
         <p:nvSpPr>
-          <p:cNvPr id="21" name="TextBox 20"/>
+          <p:cNvPr id="25" name="TextBox 24"/>
           <p:cNvSpPr txBox="1"/>
           <p:nvPr/>
         </p:nvSpPr>
         <p:spPr>
           <a:xfrm>
-            <a:off x="4851724" y="3707994"/>
-            <a:ext cx="301660" cy="369332"/>
+            <a:off x="4902183" y="5204431"/>
+            <a:ext cx="402578" cy="369332"/>
           </a:xfrm>
           <a:prstGeom prst="rect">
             <a:avLst/>
@@ -3819,14 +3653,14 @@
           <a:noFill/>
         </p:spPr>
         <p:txBody>
-          <a:bodyPr wrap="none" rtlCol="0">
+          <a:bodyPr wrap="square" rtlCol="0">
             <a:spAutoFit/>
           </a:bodyPr>
           <a:lstStyle/>
           <a:p>
             <a:r>
               <a:rPr lang="en-US" dirty="0" smtClean="0"/>
-              <a:t>1</a:t>
+              <a:t>2</a:t>
             </a:r>
             <a:endParaRPr lang="en-US" dirty="0"/>
           </a:p>
@@ -3834,14 +3668,14 @@
       </p:sp>
       <p:sp>
         <p:nvSpPr>
-          <p:cNvPr id="22" name="TextBox 21"/>
+          <p:cNvPr id="28" name="TextBox 27"/>
           <p:cNvSpPr txBox="1"/>
           <p:nvPr/>
         </p:nvSpPr>
         <p:spPr>
           <a:xfrm>
-            <a:off x="3927119" y="5809060"/>
-            <a:ext cx="1849209" cy="523220"/>
+            <a:off x="685800" y="5276911"/>
+            <a:ext cx="2329233" cy="923330"/>
           </a:xfrm>
           <a:prstGeom prst="rect">
             <a:avLst/>
@@ -3855,323 +3689,85 @@
           <a:lstStyle/>
           <a:p>
             <a:r>
-              <a:rPr lang="en-US" sz="1400" dirty="0" smtClean="0"/>
-              <a:t>           Integer</a:t>
-            </a:r>
-          </a:p>
-          <a:p>
-            <a:r>
-              <a:rPr lang="en-US" sz="1400" dirty="0" smtClean="0"/>
-              <a:t> x</a:t>
-            </a:r>
-            <a:r>
-              <a:rPr lang="en-US" sz="1400" i="1" dirty="0" smtClean="0"/>
-              <a:t>800,000 =</a:t>
-            </a:r>
-            <a:r>
-              <a:rPr lang="en-US" sz="1400" i="1" dirty="0" smtClean="0"/>
-              <a:t> </a:t>
-            </a:r>
-            <a:r>
-              <a:rPr lang="en-US" sz="1400" i="1" dirty="0" smtClean="0"/>
-              <a:t>12.207</a:t>
-            </a:r>
-            <a:r>
-              <a:rPr lang="en-US" sz="1400" i="1" dirty="0" smtClean="0"/>
-              <a:t>MB</a:t>
-            </a:r>
-            <a:endParaRPr lang="en-US" sz="1400" i="1" dirty="0"/>
-          </a:p>
-        </p:txBody>
-      </p:sp>
-      <p:sp>
-        <p:nvSpPr>
-          <p:cNvPr id="23" name="Rectangle 22"/>
+              <a:rPr lang="en-US" i="1" dirty="0" smtClean="0"/>
+              <a:t> Total size = 41.962MB</a:t>
+            </a:r>
+          </a:p>
+          <a:p>
+            <a:r>
+              <a:rPr lang="en-US" i="1" dirty="0" smtClean="0"/>
+              <a:t>Savings: 25.6%</a:t>
+            </a:r>
+            <a:endParaRPr lang="en-US" i="1" dirty="0" smtClean="0"/>
+          </a:p>
+          <a:p>
+            <a:endParaRPr lang="en-US" i="1" dirty="0"/>
+          </a:p>
+        </p:txBody>
+      </p:sp>
+      <p:sp>
+        <p:nvSpPr>
+          <p:cNvPr id="35" name="Rectangle 34"/>
           <p:cNvSpPr/>
           <p:nvPr/>
         </p:nvSpPr>
         <p:spPr>
           <a:xfrm>
-            <a:off x="3953904" y="5738576"/>
-            <a:ext cx="1755979" cy="593704"/>
+            <a:off x="6096000" y="1826326"/>
+            <a:ext cx="2878562" cy="369332"/>
           </a:xfrm>
           <a:prstGeom prst="rect">
             <a:avLst/>
           </a:prstGeom>
-          <a:noFill/>
-          <a:ln>
-            <a:solidFill>
-              <a:schemeClr val="tx1"/>
-            </a:solidFill>
-          </a:ln>
-        </p:spPr>
-        <p:style>
-          <a:lnRef idx="1">
-            <a:schemeClr val="accent1"/>
-          </a:lnRef>
-          <a:fillRef idx="3">
-            <a:schemeClr val="accent1"/>
-          </a:fillRef>
-          <a:effectRef idx="2">
-            <a:schemeClr val="accent1"/>
-          </a:effectRef>
-          <a:fontRef idx="minor">
-            <a:schemeClr val="lt1"/>
-          </a:fontRef>
-        </p:style>
-        <p:txBody>
-          <a:bodyPr rtlCol="0" anchor="ctr"/>
-          <a:lstStyle/>
-          <a:p>
-            <a:pPr algn="ctr"/>
-            <a:endParaRPr lang="en-US" sz="1400"/>
-          </a:p>
-        </p:txBody>
-      </p:sp>
-      <p:cxnSp>
-        <p:nvCxnSpPr>
-          <p:cNvPr id="24" name="Straight Arrow Connector 23"/>
-          <p:cNvCxnSpPr>
-            <a:stCxn id="18" idx="3"/>
-            <a:endCxn id="23" idx="0"/>
-          </p:cNvCxnSpPr>
+        </p:spPr>
+        <p:txBody>
+          <a:bodyPr wrap="none">
+            <a:spAutoFit/>
+          </a:bodyPr>
+          <a:lstStyle/>
+          <a:p>
+            <a:r>
+              <a:rPr lang="en-US" i="1" dirty="0" smtClean="0"/>
+              <a:t>7.629MB reduced to 5.34MB</a:t>
+            </a:r>
+            <a:endParaRPr lang="en-US" dirty="0"/>
+          </a:p>
+        </p:txBody>
+      </p:sp>
+      <p:sp>
+        <p:nvSpPr>
+          <p:cNvPr id="36" name="Rectangle 35"/>
+          <p:cNvSpPr/>
           <p:nvPr/>
-        </p:nvCxnSpPr>
-        <p:spPr>
-          <a:xfrm rot="16200000" flipH="1">
-            <a:off x="4563177" y="5469858"/>
-            <a:ext cx="534145" cy="3289"/>
-          </a:xfrm>
-          <a:prstGeom prst="straightConnector1">
-            <a:avLst/>
-          </a:prstGeom>
-          <a:ln>
-            <a:solidFill>
-              <a:schemeClr val="tx1"/>
-            </a:solidFill>
-            <a:tailEnd type="arrow"/>
-          </a:ln>
-        </p:spPr>
-        <p:style>
-          <a:lnRef idx="2">
-            <a:schemeClr val="accent1"/>
-          </a:lnRef>
-          <a:fillRef idx="0">
-            <a:schemeClr val="accent1"/>
-          </a:fillRef>
-          <a:effectRef idx="1">
-            <a:schemeClr val="accent1"/>
-          </a:effectRef>
-          <a:fontRef idx="minor">
-            <a:schemeClr val="tx1"/>
-          </a:fontRef>
-        </p:style>
-      </p:cxnSp>
-      <p:sp>
-        <p:nvSpPr>
-          <p:cNvPr id="25" name="TextBox 24"/>
-          <p:cNvSpPr txBox="1"/>
-          <p:nvPr/>
         </p:nvSpPr>
         <p:spPr>
           <a:xfrm>
-            <a:off x="4902183" y="5204431"/>
-            <a:ext cx="402578" cy="369332"/>
+            <a:off x="5979006" y="4411418"/>
+            <a:ext cx="2995556" cy="369332"/>
           </a:xfrm>
           <a:prstGeom prst="rect">
             <a:avLst/>
           </a:prstGeom>
-          <a:noFill/>
-        </p:spPr>
-        <p:txBody>
-          <a:bodyPr wrap="square" rtlCol="0">
+        </p:spPr>
+        <p:txBody>
+          <a:bodyPr wrap="none">
             <a:spAutoFit/>
           </a:bodyPr>
           <a:lstStyle/>
           <a:p>
             <a:r>
-              <a:rPr lang="en-US" dirty="0" smtClean="0"/>
-              <a:t>2</a:t>
+              <a:rPr lang="en-US" i="1" dirty="0" smtClean="0"/>
+              <a:t>30.51MB </a:t>
+            </a:r>
+            <a:r>
+              <a:rPr lang="en-US" i="1" dirty="0" smtClean="0"/>
+              <a:t>reduced </a:t>
+            </a:r>
+            <a:r>
+              <a:rPr lang="en-US" i="1" dirty="0" smtClean="0"/>
+              <a:t>to 18.31MB</a:t>
             </a:r>
             <a:endParaRPr lang="en-US" dirty="0"/>
-          </a:p>
-        </p:txBody>
-      </p:sp>
-      <p:sp>
-        <p:nvSpPr>
-          <p:cNvPr id="26" name="TextBox 25"/>
-          <p:cNvSpPr txBox="1"/>
-          <p:nvPr/>
-        </p:nvSpPr>
-        <p:spPr>
-          <a:xfrm>
-            <a:off x="6464646" y="4433500"/>
-            <a:ext cx="1906166" cy="276999"/>
-          </a:xfrm>
-          <a:prstGeom prst="rect">
-            <a:avLst/>
-          </a:prstGeom>
-          <a:noFill/>
-        </p:spPr>
-        <p:txBody>
-          <a:bodyPr wrap="none" rtlCol="0">
-            <a:spAutoFit/>
-          </a:bodyPr>
-          <a:lstStyle/>
-          <a:p>
-            <a:r>
-              <a:rPr lang="en-US" sz="1200" i="1" dirty="0" smtClean="0"/>
-              <a:t>19,200,000 bytes overhead</a:t>
-            </a:r>
-            <a:endParaRPr lang="en-US" sz="1200" i="1" dirty="0"/>
-          </a:p>
-        </p:txBody>
-      </p:sp>
-      <p:sp>
-        <p:nvSpPr>
-          <p:cNvPr id="27" name="TextBox 26"/>
-          <p:cNvSpPr txBox="1"/>
-          <p:nvPr/>
-        </p:nvSpPr>
-        <p:spPr>
-          <a:xfrm>
-            <a:off x="6464646" y="5573763"/>
-            <a:ext cx="1828170" cy="461665"/>
-          </a:xfrm>
-          <a:prstGeom prst="rect">
-            <a:avLst/>
-          </a:prstGeom>
-          <a:noFill/>
-        </p:spPr>
-        <p:txBody>
-          <a:bodyPr wrap="none" rtlCol="0">
-            <a:spAutoFit/>
-          </a:bodyPr>
-          <a:lstStyle/>
-          <a:p>
-            <a:r>
-              <a:rPr lang="en-US" sz="1200" i="1" dirty="0" smtClean="0"/>
-              <a:t>3,2</a:t>
-            </a:r>
-            <a:r>
-              <a:rPr lang="en-US" sz="1200" i="1" dirty="0" smtClean="0"/>
-              <a:t>00,000 </a:t>
-            </a:r>
-            <a:r>
-              <a:rPr lang="en-US" sz="1200" i="1" dirty="0" smtClean="0"/>
-              <a:t>bytes data</a:t>
-            </a:r>
-            <a:endParaRPr lang="en-US" sz="1200" i="1" dirty="0" smtClean="0"/>
-          </a:p>
-          <a:p>
-            <a:r>
-              <a:rPr lang="en-US" sz="1200" i="1" dirty="0" smtClean="0"/>
-              <a:t>9,6</a:t>
-            </a:r>
-            <a:r>
-              <a:rPr lang="en-US" sz="1200" i="1" dirty="0" smtClean="0"/>
-              <a:t>00,000 </a:t>
-            </a:r>
-            <a:r>
-              <a:rPr lang="en-US" sz="1200" i="1" dirty="0" smtClean="0"/>
-              <a:t>bytes overhead</a:t>
-            </a:r>
-            <a:endParaRPr lang="en-US" sz="1200" i="1" dirty="0"/>
-          </a:p>
-        </p:txBody>
-      </p:sp>
-      <p:sp>
-        <p:nvSpPr>
-          <p:cNvPr id="28" name="TextBox 27"/>
-          <p:cNvSpPr txBox="1"/>
-          <p:nvPr/>
-        </p:nvSpPr>
-        <p:spPr>
-          <a:xfrm>
-            <a:off x="914400" y="4411418"/>
-            <a:ext cx="1672703" cy="646331"/>
-          </a:xfrm>
-          <a:prstGeom prst="rect">
-            <a:avLst/>
-          </a:prstGeom>
-          <a:noFill/>
-        </p:spPr>
-        <p:txBody>
-          <a:bodyPr wrap="none" rtlCol="0">
-            <a:spAutoFit/>
-          </a:bodyPr>
-          <a:lstStyle/>
-          <a:p>
-            <a:r>
-              <a:rPr lang="en-US" sz="1200" i="1" dirty="0" smtClean="0"/>
-              <a:t> </a:t>
-            </a:r>
-            <a:r>
-              <a:rPr lang="en-US" sz="1200" i="1" dirty="0" smtClean="0"/>
-              <a:t>T</a:t>
-            </a:r>
-            <a:r>
-              <a:rPr lang="en-US" sz="1200" i="1" dirty="0" smtClean="0"/>
-              <a:t>otal </a:t>
-            </a:r>
-            <a:r>
-              <a:rPr lang="en-US" sz="1200" i="1" dirty="0" smtClean="0"/>
-              <a:t>size =</a:t>
-            </a:r>
-            <a:r>
-              <a:rPr lang="en-US" sz="1200" i="1" dirty="0" smtClean="0"/>
-              <a:t> </a:t>
-            </a:r>
-            <a:r>
-              <a:rPr lang="en-US" sz="1200" i="1" dirty="0" smtClean="0"/>
-              <a:t>41.962</a:t>
-            </a:r>
-            <a:r>
-              <a:rPr lang="en-US" sz="1200" i="1" dirty="0" smtClean="0"/>
-              <a:t>MB</a:t>
-            </a:r>
-            <a:endParaRPr lang="en-US" sz="1200" i="1" dirty="0" smtClean="0"/>
-          </a:p>
-          <a:p>
-            <a:r>
-              <a:rPr lang="en-US" sz="1200" i="1" dirty="0" smtClean="0"/>
-              <a:t>Savings: </a:t>
-            </a:r>
-            <a:r>
-              <a:rPr lang="en-US" sz="1200" i="1" dirty="0" smtClean="0"/>
-              <a:t>25.6</a:t>
-            </a:r>
-            <a:r>
-              <a:rPr lang="en-US" sz="1200" i="1" dirty="0" smtClean="0"/>
-              <a:t>%</a:t>
-            </a:r>
-          </a:p>
-          <a:p>
-            <a:r>
-              <a:rPr lang="en-US" sz="1200" i="1" dirty="0" smtClean="0"/>
-              <a:t>B</a:t>
-            </a:r>
-            <a:r>
-              <a:rPr lang="en-US" sz="1200" i="1" dirty="0" smtClean="0"/>
-              <a:t>loat </a:t>
-            </a:r>
-            <a:r>
-              <a:rPr lang="en-US" sz="1200" i="1" dirty="0" smtClean="0"/>
-              <a:t>factor =</a:t>
-            </a:r>
-            <a:r>
-              <a:rPr lang="en-US" sz="1200" i="1" dirty="0" smtClean="0"/>
-              <a:t> </a:t>
-            </a:r>
-            <a:r>
-              <a:rPr lang="en-US" sz="1200" i="1" dirty="0" smtClean="0"/>
-              <a:t>92.7</a:t>
-            </a:r>
-            <a:r>
-              <a:rPr lang="en-US" sz="1200" i="1" dirty="0" smtClean="0"/>
-              <a:t>%</a:t>
-            </a:r>
-            <a:endParaRPr lang="en-US" sz="1200" i="1" dirty="0"/>
           </a:p>
         </p:txBody>
       </p:sp>
